--- a/7.Presentation PPT/SOFTPEDIA PPT.pptx
+++ b/7.Presentation PPT/SOFTPEDIA PPT.pptx
@@ -21250,233 +21250,6 @@
                 </a:schemeClr>
               </a:solidFill>
             </a:endParaRPr>
-          </a:p>
-        </p:txBody>
-      </p:sp>
-      <p:sp>
-        <p:nvSpPr>
-          <p:cNvPr id="73" name="Text Placeholder 4">
-            <a:extLst>
-              <a:ext uri="{FF2B5EF4-FFF2-40B4-BE49-F238E27FC236}">
-                <a16:creationId xmlns:a16="http://schemas.microsoft.com/office/drawing/2014/main" id="{85C8E954-0975-4CD8-9254-BAAE1D0B89AB}"/>
-              </a:ext>
-            </a:extLst>
-          </p:cNvPr>
-          <p:cNvSpPr txBox="1">
-            <a:spLocks/>
-          </p:cNvSpPr>
-          <p:nvPr/>
-        </p:nvSpPr>
-        <p:spPr>
-          <a:xfrm>
-            <a:off x="6868708" y="4079797"/>
-            <a:ext cx="1980000" cy="360000"/>
-          </a:xfrm>
-          <a:prstGeom prst="rect">
-            <a:avLst/>
-          </a:prstGeom>
-        </p:spPr>
-        <p:txBody>
-          <a:bodyPr vert="horz" lIns="0" tIns="0" rIns="0" bIns="0" rtlCol="0">
-            <a:noAutofit/>
-          </a:bodyPr>
-          <a:lstStyle>
-            <a:lvl1pPr marL="0" indent="0" algn="ctr" defTabSz="914400" rtl="0" eaLnBrk="1" latinLnBrk="0" hangingPunct="1">
-              <a:lnSpc>
-                <a:spcPct val="100000"/>
-              </a:lnSpc>
-              <a:spcBef>
-                <a:spcPts val="1000"/>
-              </a:spcBef>
-              <a:spcAft>
-                <a:spcPts val="500"/>
-              </a:spcAft>
-              <a:buClr>
-                <a:schemeClr val="accent1"/>
-              </a:buClr>
-              <a:buFont typeface="Arial" panose="020B0604020202020204" pitchFamily="34" charset="0"/>
-              <a:buNone/>
-              <a:defRPr sz="1800" kern="1200">
-                <a:solidFill>
-                  <a:schemeClr val="tx1">
-                    <a:lumMod val="75000"/>
-                    <a:lumOff val="25000"/>
-                  </a:schemeClr>
-                </a:solidFill>
-                <a:latin typeface="+mn-lt"/>
-                <a:ea typeface="+mn-ea"/>
-                <a:cs typeface="+mn-cs"/>
-              </a:defRPr>
-            </a:lvl1pPr>
-            <a:lvl2pPr marL="542925" indent="-276225" algn="l" defTabSz="914400" rtl="0" eaLnBrk="1" latinLnBrk="0" hangingPunct="1">
-              <a:lnSpc>
-                <a:spcPct val="100000"/>
-              </a:lnSpc>
-              <a:spcBef>
-                <a:spcPts val="500"/>
-              </a:spcBef>
-              <a:spcAft>
-                <a:spcPts val="500"/>
-              </a:spcAft>
-              <a:buFont typeface="Arial" panose="020B0604020202020204" pitchFamily="34" charset="0"/>
-              <a:buChar char="•"/>
-              <a:defRPr sz="1600" kern="1200">
-                <a:solidFill>
-                  <a:schemeClr val="tx2"/>
-                </a:solidFill>
-                <a:latin typeface="+mn-lt"/>
-                <a:ea typeface="+mn-ea"/>
-                <a:cs typeface="+mn-cs"/>
-              </a:defRPr>
-            </a:lvl2pPr>
-            <a:lvl3pPr marL="809625" indent="-266700" algn="l" defTabSz="914400" rtl="0" eaLnBrk="1" latinLnBrk="0" hangingPunct="1">
-              <a:lnSpc>
-                <a:spcPct val="100000"/>
-              </a:lnSpc>
-              <a:spcBef>
-                <a:spcPts val="500"/>
-              </a:spcBef>
-              <a:spcAft>
-                <a:spcPts val="500"/>
-              </a:spcAft>
-              <a:buFont typeface="Arial" panose="020B0604020202020204" pitchFamily="34" charset="0"/>
-              <a:buChar char="•"/>
-              <a:defRPr sz="1600" kern="1200">
-                <a:solidFill>
-                  <a:schemeClr val="tx2"/>
-                </a:solidFill>
-                <a:latin typeface="+mn-lt"/>
-                <a:ea typeface="+mn-ea"/>
-                <a:cs typeface="+mn-cs"/>
-              </a:defRPr>
-            </a:lvl3pPr>
-            <a:lvl4pPr marL="1076325" indent="-266700" algn="l" defTabSz="914400" rtl="0" eaLnBrk="1" latinLnBrk="0" hangingPunct="1">
-              <a:lnSpc>
-                <a:spcPct val="100000"/>
-              </a:lnSpc>
-              <a:spcBef>
-                <a:spcPts val="500"/>
-              </a:spcBef>
-              <a:spcAft>
-                <a:spcPts val="500"/>
-              </a:spcAft>
-              <a:buFont typeface="Arial" panose="020B0604020202020204" pitchFamily="34" charset="0"/>
-              <a:buChar char="•"/>
-              <a:defRPr sz="1400" kern="1200">
-                <a:solidFill>
-                  <a:schemeClr val="tx2"/>
-                </a:solidFill>
-                <a:latin typeface="+mn-lt"/>
-                <a:ea typeface="+mn-ea"/>
-                <a:cs typeface="+mn-cs"/>
-              </a:defRPr>
-            </a:lvl4pPr>
-            <a:lvl5pPr marL="1343025" indent="-266700" algn="l" defTabSz="914400" rtl="0" eaLnBrk="1" latinLnBrk="0" hangingPunct="1">
-              <a:lnSpc>
-                <a:spcPct val="100000"/>
-              </a:lnSpc>
-              <a:spcBef>
-                <a:spcPts val="500"/>
-              </a:spcBef>
-              <a:spcAft>
-                <a:spcPts val="500"/>
-              </a:spcAft>
-              <a:buFont typeface="Arial" panose="020B0604020202020204" pitchFamily="34" charset="0"/>
-              <a:buChar char="•"/>
-              <a:defRPr sz="1200" kern="1200">
-                <a:solidFill>
-                  <a:schemeClr val="tx2"/>
-                </a:solidFill>
-                <a:latin typeface="+mn-lt"/>
-                <a:ea typeface="+mn-ea"/>
-                <a:cs typeface="+mn-cs"/>
-              </a:defRPr>
-            </a:lvl5pPr>
-            <a:lvl6pPr marL="2514600" indent="-228600" algn="l" defTabSz="914400" rtl="0" eaLnBrk="1" latinLnBrk="0" hangingPunct="1">
-              <a:lnSpc>
-                <a:spcPct val="90000"/>
-              </a:lnSpc>
-              <a:spcBef>
-                <a:spcPts val="500"/>
-              </a:spcBef>
-              <a:buFont typeface="Arial" panose="020B0604020202020204" pitchFamily="34" charset="0"/>
-              <a:buChar char="•"/>
-              <a:defRPr sz="1800" kern="1200">
-                <a:solidFill>
-                  <a:schemeClr val="tx1"/>
-                </a:solidFill>
-                <a:latin typeface="+mn-lt"/>
-                <a:ea typeface="+mn-ea"/>
-                <a:cs typeface="+mn-cs"/>
-              </a:defRPr>
-            </a:lvl6pPr>
-            <a:lvl7pPr marL="2971800" indent="-228600" algn="l" defTabSz="914400" rtl="0" eaLnBrk="1" latinLnBrk="0" hangingPunct="1">
-              <a:lnSpc>
-                <a:spcPct val="90000"/>
-              </a:lnSpc>
-              <a:spcBef>
-                <a:spcPts val="500"/>
-              </a:spcBef>
-              <a:buFont typeface="Arial" panose="020B0604020202020204" pitchFamily="34" charset="0"/>
-              <a:buChar char="•"/>
-              <a:defRPr sz="1800" kern="1200">
-                <a:solidFill>
-                  <a:schemeClr val="tx1"/>
-                </a:solidFill>
-                <a:latin typeface="+mn-lt"/>
-                <a:ea typeface="+mn-ea"/>
-                <a:cs typeface="+mn-cs"/>
-              </a:defRPr>
-            </a:lvl7pPr>
-            <a:lvl8pPr marL="3429000" indent="-228600" algn="l" defTabSz="914400" rtl="0" eaLnBrk="1" latinLnBrk="0" hangingPunct="1">
-              <a:lnSpc>
-                <a:spcPct val="90000"/>
-              </a:lnSpc>
-              <a:spcBef>
-                <a:spcPts val="500"/>
-              </a:spcBef>
-              <a:buFont typeface="Arial" panose="020B0604020202020204" pitchFamily="34" charset="0"/>
-              <a:buChar char="•"/>
-              <a:defRPr sz="1800" kern="1200">
-                <a:solidFill>
-                  <a:schemeClr val="tx1"/>
-                </a:solidFill>
-                <a:latin typeface="+mn-lt"/>
-                <a:ea typeface="+mn-ea"/>
-                <a:cs typeface="+mn-cs"/>
-              </a:defRPr>
-            </a:lvl8pPr>
-            <a:lvl9pPr marL="3886200" indent="-228600" algn="l" defTabSz="914400" rtl="0" eaLnBrk="1" latinLnBrk="0" hangingPunct="1">
-              <a:lnSpc>
-                <a:spcPct val="90000"/>
-              </a:lnSpc>
-              <a:spcBef>
-                <a:spcPts val="500"/>
-              </a:spcBef>
-              <a:buFont typeface="Arial" panose="020B0604020202020204" pitchFamily="34" charset="0"/>
-              <a:buChar char="•"/>
-              <a:defRPr sz="1800" kern="1200">
-                <a:solidFill>
-                  <a:schemeClr val="tx1"/>
-                </a:solidFill>
-                <a:latin typeface="+mn-lt"/>
-                <a:ea typeface="+mn-ea"/>
-                <a:cs typeface="+mn-cs"/>
-              </a:defRPr>
-            </a:lvl9pPr>
-          </a:lstStyle>
-          <a:p>
-            <a:r>
-              <a:rPr lang="en-US" dirty="0">
-                <a:solidFill>
-                  <a:schemeClr val="accent4">
-                    <a:lumMod val="60000"/>
-                    <a:lumOff val="40000"/>
-                  </a:schemeClr>
-                </a:solidFill>
-              </a:rPr>
-              <a:t>Software Updates</a:t>
-            </a:r>
           </a:p>
         </p:txBody>
       </p:sp>
@@ -24955,15 +24728,6 @@
 </file>
 
 <file path=customXml/item2.xml><?xml version="1.0" encoding="utf-8"?>
-<?mso-contentType ?>
-<FormTemplates xmlns="http://schemas.microsoft.com/sharepoint/v3/contenttype/forms">
-  <Display>DocumentLibraryForm</Display>
-  <Edit>DocumentLibraryForm</Edit>
-  <New>DocumentLibraryForm</New>
-</FormTemplates>
-</file>
-
-<file path=customXml/item3.xml><?xml version="1.0" encoding="utf-8"?>
 <ct:contentTypeSchema xmlns:ct="http://schemas.microsoft.com/office/2006/metadata/contentType" xmlns:ma="http://schemas.microsoft.com/office/2006/metadata/properties/metaAttributes" ct:_="" ma:_="" ma:contentTypeName="Document" ma:contentTypeID="0x01010079F111ED35F8CC479449609E8A0923A6" ma:contentTypeVersion="11" ma:contentTypeDescription="Create a new document." ma:contentTypeScope="" ma:versionID="9677210f24a1be23c92c90fd886aa0aa">
   <xsd:schema xmlns:xsd="http://www.w3.org/2001/XMLSchema" xmlns:xs="http://www.w3.org/2001/XMLSchema" xmlns:p="http://schemas.microsoft.com/office/2006/metadata/properties" xmlns:ns2="71af3243-3dd4-4a8d-8c0d-dd76da1f02a5" xmlns:ns3="16c05727-aa75-4e4a-9b5f-8a80a1165891" targetNamespace="http://schemas.microsoft.com/office/2006/metadata/properties" ma:root="true" ma:fieldsID="60e05723c5c1908df1a1a4ebf11d344e" ns2:_="" ns3:_="">
     <xsd:import namespace="71af3243-3dd4-4a8d-8c0d-dd76da1f02a5"/>
@@ -25174,6 +24938,15 @@
 </ct:contentTypeSchema>
 </file>
 
+<file path=customXml/item3.xml><?xml version="1.0" encoding="utf-8"?>
+<?mso-contentType ?>
+<FormTemplates xmlns="http://schemas.microsoft.com/sharepoint/v3/contenttype/forms">
+  <Display>DocumentLibraryForm</Display>
+  <Edit>DocumentLibraryForm</Edit>
+  <New>DocumentLibraryForm</New>
+</FormTemplates>
+</file>
+
 <file path=customXml/itemProps1.xml><?xml version="1.0" encoding="utf-8"?>
 <ds:datastoreItem xmlns:ds="http://schemas.openxmlformats.org/officeDocument/2006/customXml" ds:itemID="{C9C0BFDF-D948-4F4A-854E-477525F57792}">
   <ds:schemaRefs>
@@ -25185,14 +24958,6 @@
 </file>
 
 <file path=customXml/itemProps2.xml><?xml version="1.0" encoding="utf-8"?>
-<ds:datastoreItem xmlns:ds="http://schemas.openxmlformats.org/officeDocument/2006/customXml" ds:itemID="{56E3E58C-5E8A-4781-9921-C2B23BC09EB2}">
-  <ds:schemaRefs>
-    <ds:schemaRef ds:uri="http://schemas.microsoft.com/sharepoint/v3/contenttype/forms"/>
-  </ds:schemaRefs>
-</ds:datastoreItem>
-</file>
-
-<file path=customXml/itemProps3.xml><?xml version="1.0" encoding="utf-8"?>
 <ds:datastoreItem xmlns:ds="http://schemas.openxmlformats.org/officeDocument/2006/customXml" ds:itemID="{513094F6-5ADD-4195-AF81-00AF033C96A1}">
   <ds:schemaRefs>
     <ds:schemaRef ds:uri="http://schemas.microsoft.com/office/2006/metadata/contentType"/>
@@ -25209,4 +24974,12 @@
     <ds:schemaRef ds:uri="http://schemas.microsoft.com/internal/obd"/>
   </ds:schemaRefs>
 </ds:datastoreItem>
+</file>
+
+<file path=customXml/itemProps3.xml><?xml version="1.0" encoding="utf-8"?>
+<ds:datastoreItem xmlns:ds="http://schemas.openxmlformats.org/officeDocument/2006/customXml" ds:itemID="{56E3E58C-5E8A-4781-9921-C2B23BC09EB2}">
+  <ds:schemaRefs>
+    <ds:schemaRef ds:uri="http://schemas.microsoft.com/sharepoint/v3/contenttype/forms"/>
+  </ds:schemaRefs>
+</ds:datastoreItem>
 </file>